--- a/template.pptx
+++ b/template.pptx
@@ -5,8 +5,10 @@
     <p:sldMasterId id="2147483648" r:id="rId1"/>
   </p:sldMasterIdLst>
   <p:sldIdLst>
-    <p:sldId id="256" r:id="rId7"/>
-    <p:sldId id="257" r:id="rId8"/>
+    <p:sldId id="256" r:id="rId2"/>
+    <p:sldId id="257" r:id="rId3"/>
+    <p:sldId id="258" r:id="rId4"/>
+    <p:sldId id="259" r:id="rId5"/>
   </p:sldIdLst>
   <p:sldSz cx="9144000" cy="6858000" type="screen4x3"/>
   <p:notesSz cx="6858000" cy="9144000"/>
@@ -105,6 +107,22 @@
       </a:defRPr>
     </a:lvl9pPr>
   </p:defaultTextStyle>
+  <p:extLst>
+    <p:ext uri="{EFAFB233-063F-42B5-8137-9DF3F51BA10A}">
+      <p15:sldGuideLst xmlns:p15="http://schemas.microsoft.com/office/powerpoint/2012/main">
+        <p15:guide id="1" orient="horz" pos="2160">
+          <p15:clr>
+            <a:srgbClr val="A4A3A4"/>
+          </p15:clr>
+        </p15:guide>
+        <p15:guide id="2" pos="2880">
+          <p15:clr>
+            <a:srgbClr val="A4A3A4"/>
+          </p15:clr>
+        </p15:guide>
+      </p15:sldGuideLst>
+    </p:ext>
+  </p:extLst>
 </p:presentation>
 </file>
 
@@ -146,10 +164,9 @@
           <a:lstStyle/>
           <a:p>
             <a:r>
-              <a:rPr lang="en-US" smtClean="0"/>
+              <a:rPr lang="en-US"/>
               <a:t>Click to edit Master title style</a:t>
             </a:r>
-            <a:endParaRPr lang="en-US"/>
           </a:p>
         </p:txBody>
       </p:sp>
@@ -265,10 +282,9 @@
           </a:lstStyle>
           <a:p>
             <a:r>
-              <a:rPr lang="en-US" smtClean="0"/>
+              <a:rPr lang="en-US"/>
               <a:t>Click to edit Master subtitle style</a:t>
             </a:r>
-            <a:endParaRPr lang="en-US"/>
           </a:p>
         </p:txBody>
       </p:sp>
@@ -289,7 +305,7 @@
           <a:p>
             <a:fld id="{5BCAD085-E8A6-8845-BD4E-CB4CCA059FC4}" type="datetimeFigureOut">
               <a:rPr lang="en-US" smtClean="0"/>
-              <a:t>1/27/13</a:t>
+              <a:t>5/24/25</a:t>
             </a:fld>
             <a:endParaRPr lang="en-US"/>
           </a:p>
@@ -351,6 +367,258 @@
 </file>
 
 <file path=ppt/slideLayouts/slideLayout10.xml><?xml version="1.0" encoding="utf-8"?>
+<p:sldLayout xmlns:a="http://schemas.openxmlformats.org/drawingml/2006/main" xmlns:r="http://schemas.openxmlformats.org/officeDocument/2006/relationships" xmlns:p="http://schemas.openxmlformats.org/presentationml/2006/main" type="picTx" preserve="1">
+  <p:cSld name="Picture with Caption">
+    <p:spTree>
+      <p:nvGrpSpPr>
+        <p:cNvPr id="1" name=""/>
+        <p:cNvGrpSpPr/>
+        <p:nvPr/>
+      </p:nvGrpSpPr>
+      <p:grpSpPr>
+        <a:xfrm>
+          <a:off x="0" y="0"/>
+          <a:ext cx="0" cy="0"/>
+          <a:chOff x="0" y="0"/>
+          <a:chExt cx="0" cy="0"/>
+        </a:xfrm>
+      </p:grpSpPr>
+      <p:sp>
+        <p:nvSpPr>
+          <p:cNvPr id="2" name="Title 1"/>
+          <p:cNvSpPr>
+            <a:spLocks noGrp="1"/>
+          </p:cNvSpPr>
+          <p:nvPr>
+            <p:ph type="title"/>
+          </p:nvPr>
+        </p:nvSpPr>
+        <p:spPr>
+          <a:xfrm>
+            <a:off x="1792288" y="4800600"/>
+            <a:ext cx="5486400" cy="566738"/>
+          </a:xfrm>
+        </p:spPr>
+        <p:txBody>
+          <a:bodyPr anchor="b"/>
+          <a:lstStyle>
+            <a:lvl1pPr algn="l">
+              <a:defRPr sz="2000" b="1"/>
+            </a:lvl1pPr>
+          </a:lstStyle>
+          <a:p>
+            <a:r>
+              <a:rPr lang="en-US"/>
+              <a:t>Click to edit Master title style</a:t>
+            </a:r>
+          </a:p>
+        </p:txBody>
+      </p:sp>
+      <p:sp>
+        <p:nvSpPr>
+          <p:cNvPr id="3" name="Picture Placeholder 2"/>
+          <p:cNvSpPr>
+            <a:spLocks noGrp="1"/>
+          </p:cNvSpPr>
+          <p:nvPr>
+            <p:ph type="pic" idx="1"/>
+          </p:nvPr>
+        </p:nvSpPr>
+        <p:spPr>
+          <a:xfrm>
+            <a:off x="1792288" y="612775"/>
+            <a:ext cx="5486400" cy="4114800"/>
+          </a:xfrm>
+        </p:spPr>
+        <p:txBody>
+          <a:bodyPr/>
+          <a:lstStyle>
+            <a:lvl1pPr marL="0" indent="0">
+              <a:buNone/>
+              <a:defRPr sz="3200"/>
+            </a:lvl1pPr>
+            <a:lvl2pPr marL="457200" indent="0">
+              <a:buNone/>
+              <a:defRPr sz="2800"/>
+            </a:lvl2pPr>
+            <a:lvl3pPr marL="914400" indent="0">
+              <a:buNone/>
+              <a:defRPr sz="2400"/>
+            </a:lvl3pPr>
+            <a:lvl4pPr marL="1371600" indent="0">
+              <a:buNone/>
+              <a:defRPr sz="2000"/>
+            </a:lvl4pPr>
+            <a:lvl5pPr marL="1828800" indent="0">
+              <a:buNone/>
+              <a:defRPr sz="2000"/>
+            </a:lvl5pPr>
+            <a:lvl6pPr marL="2286000" indent="0">
+              <a:buNone/>
+              <a:defRPr sz="2000"/>
+            </a:lvl6pPr>
+            <a:lvl7pPr marL="2743200" indent="0">
+              <a:buNone/>
+              <a:defRPr sz="2000"/>
+            </a:lvl7pPr>
+            <a:lvl8pPr marL="3200400" indent="0">
+              <a:buNone/>
+              <a:defRPr sz="2000"/>
+            </a:lvl8pPr>
+            <a:lvl9pPr marL="3657600" indent="0">
+              <a:buNone/>
+              <a:defRPr sz="2000"/>
+            </a:lvl9pPr>
+          </a:lstStyle>
+          <a:p>
+            <a:endParaRPr lang="en-US"/>
+          </a:p>
+        </p:txBody>
+      </p:sp>
+      <p:sp>
+        <p:nvSpPr>
+          <p:cNvPr id="4" name="Text Placeholder 3"/>
+          <p:cNvSpPr>
+            <a:spLocks noGrp="1"/>
+          </p:cNvSpPr>
+          <p:nvPr>
+            <p:ph type="body" sz="half" idx="2"/>
+          </p:nvPr>
+        </p:nvSpPr>
+        <p:spPr>
+          <a:xfrm>
+            <a:off x="1792288" y="5367338"/>
+            <a:ext cx="5486400" cy="804862"/>
+          </a:xfrm>
+        </p:spPr>
+        <p:txBody>
+          <a:bodyPr/>
+          <a:lstStyle>
+            <a:lvl1pPr marL="0" indent="0">
+              <a:buNone/>
+              <a:defRPr sz="1400"/>
+            </a:lvl1pPr>
+            <a:lvl2pPr marL="457200" indent="0">
+              <a:buNone/>
+              <a:defRPr sz="1200"/>
+            </a:lvl2pPr>
+            <a:lvl3pPr marL="914400" indent="0">
+              <a:buNone/>
+              <a:defRPr sz="1000"/>
+            </a:lvl3pPr>
+            <a:lvl4pPr marL="1371600" indent="0">
+              <a:buNone/>
+              <a:defRPr sz="900"/>
+            </a:lvl4pPr>
+            <a:lvl5pPr marL="1828800" indent="0">
+              <a:buNone/>
+              <a:defRPr sz="900"/>
+            </a:lvl5pPr>
+            <a:lvl6pPr marL="2286000" indent="0">
+              <a:buNone/>
+              <a:defRPr sz="900"/>
+            </a:lvl6pPr>
+            <a:lvl7pPr marL="2743200" indent="0">
+              <a:buNone/>
+              <a:defRPr sz="900"/>
+            </a:lvl7pPr>
+            <a:lvl8pPr marL="3200400" indent="0">
+              <a:buNone/>
+              <a:defRPr sz="900"/>
+            </a:lvl8pPr>
+            <a:lvl9pPr marL="3657600" indent="0">
+              <a:buNone/>
+              <a:defRPr sz="900"/>
+            </a:lvl9pPr>
+          </a:lstStyle>
+          <a:p>
+            <a:pPr lvl="0"/>
+            <a:r>
+              <a:rPr lang="en-US"/>
+              <a:t>Click to edit Master text styles</a:t>
+            </a:r>
+          </a:p>
+        </p:txBody>
+      </p:sp>
+      <p:sp>
+        <p:nvSpPr>
+          <p:cNvPr id="5" name="Date Placeholder 4"/>
+          <p:cNvSpPr>
+            <a:spLocks noGrp="1"/>
+          </p:cNvSpPr>
+          <p:nvPr>
+            <p:ph type="dt" sz="half" idx="10"/>
+          </p:nvPr>
+        </p:nvSpPr>
+        <p:spPr/>
+        <p:txBody>
+          <a:bodyPr/>
+          <a:lstStyle/>
+          <a:p>
+            <a:fld id="{5BCAD085-E8A6-8845-BD4E-CB4CCA059FC4}" type="datetimeFigureOut">
+              <a:rPr lang="en-US" smtClean="0"/>
+              <a:t>5/24/25</a:t>
+            </a:fld>
+            <a:endParaRPr lang="en-US"/>
+          </a:p>
+        </p:txBody>
+      </p:sp>
+      <p:sp>
+        <p:nvSpPr>
+          <p:cNvPr id="6" name="Footer Placeholder 5"/>
+          <p:cNvSpPr>
+            <a:spLocks noGrp="1"/>
+          </p:cNvSpPr>
+          <p:nvPr>
+            <p:ph type="ftr" sz="quarter" idx="11"/>
+          </p:nvPr>
+        </p:nvSpPr>
+        <p:spPr/>
+        <p:txBody>
+          <a:bodyPr/>
+          <a:lstStyle/>
+          <a:p>
+            <a:endParaRPr lang="en-US"/>
+          </a:p>
+        </p:txBody>
+      </p:sp>
+      <p:sp>
+        <p:nvSpPr>
+          <p:cNvPr id="7" name="Slide Number Placeholder 6"/>
+          <p:cNvSpPr>
+            <a:spLocks noGrp="1"/>
+          </p:cNvSpPr>
+          <p:nvPr>
+            <p:ph type="sldNum" sz="quarter" idx="12"/>
+          </p:nvPr>
+        </p:nvSpPr>
+        <p:spPr/>
+        <p:txBody>
+          <a:bodyPr/>
+          <a:lstStyle/>
+          <a:p>
+            <a:fld id="{C1FF6DA9-008F-8B48-92A6-B652298478BF}" type="slidenum">
+              <a:rPr lang="en-US" smtClean="0"/>
+              <a:t>‹#›</a:t>
+            </a:fld>
+            <a:endParaRPr lang="en-US"/>
+          </a:p>
+        </p:txBody>
+      </p:sp>
+    </p:spTree>
+    <p:extLst>
+      <p:ext uri="{BB962C8B-B14F-4D97-AF65-F5344CB8AC3E}">
+        <p14:creationId xmlns:p14="http://schemas.microsoft.com/office/powerpoint/2010/main" val="3889236939"/>
+      </p:ext>
+    </p:extLst>
+  </p:cSld>
+  <p:clrMapOvr>
+    <a:masterClrMapping/>
+  </p:clrMapOvr>
+</p:sldLayout>
+</file>
+
+<file path=ppt/slideLayouts/slideLayout11.xml><?xml version="1.0" encoding="utf-8"?>
 <p:sldLayout xmlns:a="http://schemas.openxmlformats.org/drawingml/2006/main" xmlns:r="http://schemas.openxmlformats.org/officeDocument/2006/relationships" xmlns:p="http://schemas.openxmlformats.org/presentationml/2006/main" type="vertTx" preserve="1">
   <p:cSld name="Title and Vertical Text">
     <p:spTree>
@@ -383,10 +651,9 @@
           <a:lstStyle/>
           <a:p>
             <a:r>
-              <a:rPr lang="en-US" smtClean="0"/>
+              <a:rPr lang="en-US"/>
               <a:t>Click to edit Master title style</a:t>
             </a:r>
-            <a:endParaRPr lang="en-US"/>
           </a:p>
         </p:txBody>
       </p:sp>
@@ -407,38 +674,37 @@
           <a:p>
             <a:pPr lvl="0"/>
             <a:r>
-              <a:rPr lang="en-US" smtClean="0"/>
+              <a:rPr lang="en-US"/>
               <a:t>Click to edit Master text styles</a:t>
             </a:r>
           </a:p>
           <a:p>
             <a:pPr lvl="1"/>
             <a:r>
-              <a:rPr lang="en-US" smtClean="0"/>
+              <a:rPr lang="en-US"/>
               <a:t>Second level</a:t>
             </a:r>
           </a:p>
           <a:p>
             <a:pPr lvl="2"/>
             <a:r>
-              <a:rPr lang="en-US" smtClean="0"/>
+              <a:rPr lang="en-US"/>
               <a:t>Third level</a:t>
             </a:r>
           </a:p>
           <a:p>
             <a:pPr lvl="3"/>
             <a:r>
-              <a:rPr lang="en-US" smtClean="0"/>
+              <a:rPr lang="en-US"/>
               <a:t>Fourth level</a:t>
             </a:r>
           </a:p>
           <a:p>
             <a:pPr lvl="4"/>
             <a:r>
-              <a:rPr lang="en-US" smtClean="0"/>
+              <a:rPr lang="en-US"/>
               <a:t>Fifth level</a:t>
             </a:r>
-            <a:endParaRPr lang="en-US"/>
           </a:p>
         </p:txBody>
       </p:sp>
@@ -459,7 +725,7 @@
           <a:p>
             <a:fld id="{5BCAD085-E8A6-8845-BD4E-CB4CCA059FC4}" type="datetimeFigureOut">
               <a:rPr lang="en-US" smtClean="0"/>
-              <a:t>1/27/13</a:t>
+              <a:t>5/24/25</a:t>
             </a:fld>
             <a:endParaRPr lang="en-US"/>
           </a:p>
@@ -520,7 +786,7 @@
 </p:sldLayout>
 </file>
 
-<file path=ppt/slideLayouts/slideLayout11.xml><?xml version="1.0" encoding="utf-8"?>
+<file path=ppt/slideLayouts/slideLayout12.xml><?xml version="1.0" encoding="utf-8"?>
 <p:sldLayout xmlns:a="http://schemas.openxmlformats.org/drawingml/2006/main" xmlns:r="http://schemas.openxmlformats.org/officeDocument/2006/relationships" xmlns:p="http://schemas.openxmlformats.org/presentationml/2006/main" type="vertTitleAndTx" preserve="1">
   <p:cSld name="Vertical Title and Text">
     <p:spTree>
@@ -558,10 +824,9 @@
           <a:lstStyle/>
           <a:p>
             <a:r>
-              <a:rPr lang="en-US" smtClean="0"/>
+              <a:rPr lang="en-US"/>
               <a:t>Click to edit Master title style</a:t>
             </a:r>
-            <a:endParaRPr lang="en-US"/>
           </a:p>
         </p:txBody>
       </p:sp>
@@ -587,38 +852,37 @@
           <a:p>
             <a:pPr lvl="0"/>
             <a:r>
-              <a:rPr lang="en-US" smtClean="0"/>
+              <a:rPr lang="en-US"/>
               <a:t>Click to edit Master text styles</a:t>
             </a:r>
           </a:p>
           <a:p>
             <a:pPr lvl="1"/>
             <a:r>
-              <a:rPr lang="en-US" smtClean="0"/>
+              <a:rPr lang="en-US"/>
               <a:t>Second level</a:t>
             </a:r>
           </a:p>
           <a:p>
             <a:pPr lvl="2"/>
             <a:r>
-              <a:rPr lang="en-US" smtClean="0"/>
+              <a:rPr lang="en-US"/>
               <a:t>Third level</a:t>
             </a:r>
           </a:p>
           <a:p>
             <a:pPr lvl="3"/>
             <a:r>
-              <a:rPr lang="en-US" smtClean="0"/>
+              <a:rPr lang="en-US"/>
               <a:t>Fourth level</a:t>
             </a:r>
           </a:p>
           <a:p>
             <a:pPr lvl="4"/>
             <a:r>
-              <a:rPr lang="en-US" smtClean="0"/>
+              <a:rPr lang="en-US"/>
               <a:t>Fifth level</a:t>
             </a:r>
-            <a:endParaRPr lang="en-US"/>
           </a:p>
         </p:txBody>
       </p:sp>
@@ -639,7 +903,7 @@
           <a:p>
             <a:fld id="{5BCAD085-E8A6-8845-BD4E-CB4CCA059FC4}" type="datetimeFigureOut">
               <a:rPr lang="en-US" smtClean="0"/>
-              <a:t>1/27/13</a:t>
+              <a:t>5/24/25</a:t>
             </a:fld>
             <a:endParaRPr lang="en-US"/>
           </a:p>
@@ -733,10 +997,9 @@
           <a:lstStyle/>
           <a:p>
             <a:r>
-              <a:rPr lang="en-US" smtClean="0"/>
+              <a:rPr lang="en-US"/>
               <a:t>Click to edit Master title style</a:t>
             </a:r>
-            <a:endParaRPr lang="en-US"/>
           </a:p>
         </p:txBody>
       </p:sp>
@@ -757,38 +1020,37 @@
           <a:p>
             <a:pPr lvl="0"/>
             <a:r>
-              <a:rPr lang="en-US" smtClean="0"/>
+              <a:rPr lang="en-US"/>
               <a:t>Click to edit Master text styles</a:t>
             </a:r>
           </a:p>
           <a:p>
             <a:pPr lvl="1"/>
             <a:r>
-              <a:rPr lang="en-US" smtClean="0"/>
+              <a:rPr lang="en-US"/>
               <a:t>Second level</a:t>
             </a:r>
           </a:p>
           <a:p>
             <a:pPr lvl="2"/>
             <a:r>
-              <a:rPr lang="en-US" smtClean="0"/>
+              <a:rPr lang="en-US"/>
               <a:t>Third level</a:t>
             </a:r>
           </a:p>
           <a:p>
             <a:pPr lvl="3"/>
             <a:r>
-              <a:rPr lang="en-US" smtClean="0"/>
+              <a:rPr lang="en-US"/>
               <a:t>Fourth level</a:t>
             </a:r>
           </a:p>
           <a:p>
             <a:pPr lvl="4"/>
             <a:r>
-              <a:rPr lang="en-US" smtClean="0"/>
+              <a:rPr lang="en-US"/>
               <a:t>Fifth level</a:t>
             </a:r>
-            <a:endParaRPr lang="en-US"/>
           </a:p>
         </p:txBody>
       </p:sp>
@@ -809,7 +1071,7 @@
           <a:p>
             <a:fld id="{5BCAD085-E8A6-8845-BD4E-CB4CCA059FC4}" type="datetimeFigureOut">
               <a:rPr lang="en-US" smtClean="0"/>
-              <a:t>1/27/13</a:t>
+              <a:t>5/24/25</a:t>
             </a:fld>
             <a:endParaRPr lang="en-US"/>
           </a:p>
@@ -871,6 +1133,165 @@
 </file>
 
 <file path=ppt/slideLayouts/slideLayout3.xml><?xml version="1.0" encoding="utf-8"?>
+<p:sldLayout xmlns:a="http://schemas.openxmlformats.org/drawingml/2006/main" xmlns:r="http://schemas.openxmlformats.org/officeDocument/2006/relationships" xmlns:p="http://schemas.openxmlformats.org/presentationml/2006/main" preserve="1" userDrawn="1">
+  <p:cSld name="1_Title Slide">
+    <p:spTree>
+      <p:nvGrpSpPr>
+        <p:cNvPr id="1" name=""/>
+        <p:cNvGrpSpPr/>
+        <p:nvPr/>
+      </p:nvGrpSpPr>
+      <p:grpSpPr>
+        <a:xfrm>
+          <a:off x="0" y="0"/>
+          <a:ext cx="0" cy="0"/>
+          <a:chOff x="0" y="0"/>
+          <a:chExt cx="0" cy="0"/>
+        </a:xfrm>
+      </p:grpSpPr>
+      <p:sp>
+        <p:nvSpPr>
+          <p:cNvPr id="4" name="Date Placeholder 3"/>
+          <p:cNvSpPr>
+            <a:spLocks noGrp="1"/>
+          </p:cNvSpPr>
+          <p:nvPr>
+            <p:ph type="dt" sz="half" idx="10"/>
+          </p:nvPr>
+        </p:nvSpPr>
+        <p:spPr/>
+        <p:txBody>
+          <a:bodyPr/>
+          <a:lstStyle/>
+          <a:p>
+            <a:fld id="{5BCAD085-E8A6-8845-BD4E-CB4CCA059FC4}" type="datetimeFigureOut">
+              <a:rPr lang="en-US" smtClean="0"/>
+              <a:t>5/24/25</a:t>
+            </a:fld>
+            <a:endParaRPr lang="en-US"/>
+          </a:p>
+        </p:txBody>
+      </p:sp>
+      <p:sp>
+        <p:nvSpPr>
+          <p:cNvPr id="5" name="Footer Placeholder 4"/>
+          <p:cNvSpPr>
+            <a:spLocks noGrp="1"/>
+          </p:cNvSpPr>
+          <p:nvPr>
+            <p:ph type="ftr" sz="quarter" idx="11"/>
+          </p:nvPr>
+        </p:nvSpPr>
+        <p:spPr/>
+        <p:txBody>
+          <a:bodyPr/>
+          <a:lstStyle/>
+          <a:p>
+            <a:endParaRPr lang="en-US"/>
+          </a:p>
+        </p:txBody>
+      </p:sp>
+      <p:sp>
+        <p:nvSpPr>
+          <p:cNvPr id="6" name="Slide Number Placeholder 5"/>
+          <p:cNvSpPr>
+            <a:spLocks noGrp="1"/>
+          </p:cNvSpPr>
+          <p:nvPr>
+            <p:ph type="sldNum" sz="quarter" idx="12"/>
+          </p:nvPr>
+        </p:nvSpPr>
+        <p:spPr/>
+        <p:txBody>
+          <a:bodyPr/>
+          <a:lstStyle/>
+          <a:p>
+            <a:fld id="{C1FF6DA9-008F-8B48-92A6-B652298478BF}" type="slidenum">
+              <a:rPr lang="en-US" smtClean="0"/>
+              <a:t>‹#›</a:t>
+            </a:fld>
+            <a:endParaRPr lang="en-US"/>
+          </a:p>
+        </p:txBody>
+      </p:sp>
+      <p:sp>
+        <p:nvSpPr>
+          <p:cNvPr id="7" name="textMainBullets_R">
+            <a:extLst>
+              <a:ext uri="{FF2B5EF4-FFF2-40B4-BE49-F238E27FC236}">
+                <a16:creationId xmlns:a16="http://schemas.microsoft.com/office/drawing/2014/main" id="{67F3F66B-D93E-41A6-9034-0E83D2591BD9}"/>
+              </a:ext>
+            </a:extLst>
+          </p:cNvPr>
+          <p:cNvSpPr txBox="1"/>
+          <p:nvPr userDrawn="1"/>
+        </p:nvSpPr>
+        <p:spPr>
+          <a:xfrm>
+            <a:off x="4297680" y="914400"/>
+            <a:ext cx="3657600" cy="4572000"/>
+          </a:xfrm>
+          <a:prstGeom prst="rect">
+            <a:avLst/>
+          </a:prstGeom>
+          <a:noFill/>
+        </p:spPr>
+        <p:txBody>
+          <a:bodyPr wrap="none">
+            <a:spAutoFit/>
+          </a:bodyPr>
+          <a:lstStyle/>
+          <a:p>
+            <a:endParaRPr/>
+          </a:p>
+        </p:txBody>
+      </p:sp>
+      <p:sp>
+        <p:nvSpPr>
+          <p:cNvPr id="8" name="textMainBullets_L">
+            <a:extLst>
+              <a:ext uri="{FF2B5EF4-FFF2-40B4-BE49-F238E27FC236}">
+                <a16:creationId xmlns:a16="http://schemas.microsoft.com/office/drawing/2014/main" id="{E47655F6-780B-7593-1C95-16140CB660CD}"/>
+              </a:ext>
+            </a:extLst>
+          </p:cNvPr>
+          <p:cNvSpPr txBox="1"/>
+          <p:nvPr userDrawn="1"/>
+        </p:nvSpPr>
+        <p:spPr>
+          <a:xfrm>
+            <a:off x="457200" y="914400"/>
+            <a:ext cx="3657600" cy="4572000"/>
+          </a:xfrm>
+          <a:prstGeom prst="rect">
+            <a:avLst/>
+          </a:prstGeom>
+          <a:noFill/>
+        </p:spPr>
+        <p:txBody>
+          <a:bodyPr wrap="none">
+            <a:spAutoFit/>
+          </a:bodyPr>
+          <a:lstStyle/>
+          <a:p>
+            <a:endParaRPr/>
+          </a:p>
+        </p:txBody>
+      </p:sp>
+    </p:spTree>
+    <p:extLst>
+      <p:ext uri="{BB962C8B-B14F-4D97-AF65-F5344CB8AC3E}">
+        <p14:creationId xmlns:p14="http://schemas.microsoft.com/office/powerpoint/2010/main" val="1748789399"/>
+      </p:ext>
+    </p:extLst>
+  </p:cSld>
+  <p:clrMapOvr>
+    <a:masterClrMapping/>
+  </p:clrMapOvr>
+</p:sldLayout>
+</file>
+
+<file path=ppt/slideLayouts/slideLayout4.xml><?xml version="1.0" encoding="utf-8"?>
 <p:sldLayout xmlns:a="http://schemas.openxmlformats.org/drawingml/2006/main" xmlns:r="http://schemas.openxmlformats.org/officeDocument/2006/relationships" xmlns:p="http://schemas.openxmlformats.org/presentationml/2006/main" type="secHead" preserve="1">
   <p:cSld name="Section Header">
     <p:spTree>
@@ -912,10 +1333,9 @@
           </a:lstStyle>
           <a:p>
             <a:r>
-              <a:rPr lang="en-US" smtClean="0"/>
+              <a:rPr lang="en-US"/>
               <a:t>Click to edit Master title style</a:t>
             </a:r>
-            <a:endParaRPr lang="en-US"/>
           </a:p>
         </p:txBody>
       </p:sp>
@@ -1032,7 +1452,7 @@
           <a:p>
             <a:pPr lvl="0"/>
             <a:r>
-              <a:rPr lang="en-US" smtClean="0"/>
+              <a:rPr lang="en-US"/>
               <a:t>Click to edit Master text styles</a:t>
             </a:r>
           </a:p>
@@ -1055,7 +1475,7 @@
           <a:p>
             <a:fld id="{5BCAD085-E8A6-8845-BD4E-CB4CCA059FC4}" type="datetimeFigureOut">
               <a:rPr lang="en-US" smtClean="0"/>
-              <a:t>1/27/13</a:t>
+              <a:t>5/24/25</a:t>
             </a:fld>
             <a:endParaRPr lang="en-US"/>
           </a:p>
@@ -1116,7 +1536,7 @@
 </p:sldLayout>
 </file>
 
-<file path=ppt/slideLayouts/slideLayout4.xml><?xml version="1.0" encoding="utf-8"?>
+<file path=ppt/slideLayouts/slideLayout5.xml><?xml version="1.0" encoding="utf-8"?>
 <p:sldLayout xmlns:a="http://schemas.openxmlformats.org/drawingml/2006/main" xmlns:r="http://schemas.openxmlformats.org/officeDocument/2006/relationships" xmlns:p="http://schemas.openxmlformats.org/presentationml/2006/main" type="twoObj" preserve="1">
   <p:cSld name="Two Content">
     <p:spTree>
@@ -1149,10 +1569,9 @@
           <a:lstStyle/>
           <a:p>
             <a:r>
-              <a:rPr lang="en-US" smtClean="0"/>
+              <a:rPr lang="en-US"/>
               <a:t>Click to edit Master title style</a:t>
             </a:r>
-            <a:endParaRPr lang="en-US"/>
           </a:p>
         </p:txBody>
       </p:sp>
@@ -1206,38 +1625,37 @@
           <a:p>
             <a:pPr lvl="0"/>
             <a:r>
-              <a:rPr lang="en-US" smtClean="0"/>
+              <a:rPr lang="en-US"/>
               <a:t>Click to edit Master text styles</a:t>
             </a:r>
           </a:p>
           <a:p>
             <a:pPr lvl="1"/>
             <a:r>
-              <a:rPr lang="en-US" smtClean="0"/>
+              <a:rPr lang="en-US"/>
               <a:t>Second level</a:t>
             </a:r>
           </a:p>
           <a:p>
             <a:pPr lvl="2"/>
             <a:r>
-              <a:rPr lang="en-US" smtClean="0"/>
+              <a:rPr lang="en-US"/>
               <a:t>Third level</a:t>
             </a:r>
           </a:p>
           <a:p>
             <a:pPr lvl="3"/>
             <a:r>
-              <a:rPr lang="en-US" smtClean="0"/>
+              <a:rPr lang="en-US"/>
               <a:t>Fourth level</a:t>
             </a:r>
           </a:p>
           <a:p>
             <a:pPr lvl="4"/>
             <a:r>
-              <a:rPr lang="en-US" smtClean="0"/>
+              <a:rPr lang="en-US"/>
               <a:t>Fifth level</a:t>
             </a:r>
-            <a:endParaRPr lang="en-US"/>
           </a:p>
         </p:txBody>
       </p:sp>
@@ -1291,38 +1709,37 @@
           <a:p>
             <a:pPr lvl="0"/>
             <a:r>
-              <a:rPr lang="en-US" smtClean="0"/>
+              <a:rPr lang="en-US"/>
               <a:t>Click to edit Master text styles</a:t>
             </a:r>
           </a:p>
           <a:p>
             <a:pPr lvl="1"/>
             <a:r>
-              <a:rPr lang="en-US" smtClean="0"/>
+              <a:rPr lang="en-US"/>
               <a:t>Second level</a:t>
             </a:r>
           </a:p>
           <a:p>
             <a:pPr lvl="2"/>
             <a:r>
-              <a:rPr lang="en-US" smtClean="0"/>
+              <a:rPr lang="en-US"/>
               <a:t>Third level</a:t>
             </a:r>
           </a:p>
           <a:p>
             <a:pPr lvl="3"/>
             <a:r>
-              <a:rPr lang="en-US" smtClean="0"/>
+              <a:rPr lang="en-US"/>
               <a:t>Fourth level</a:t>
             </a:r>
           </a:p>
           <a:p>
             <a:pPr lvl="4"/>
             <a:r>
-              <a:rPr lang="en-US" smtClean="0"/>
+              <a:rPr lang="en-US"/>
               <a:t>Fifth level</a:t>
             </a:r>
-            <a:endParaRPr lang="en-US"/>
           </a:p>
         </p:txBody>
       </p:sp>
@@ -1343,7 +1760,7 @@
           <a:p>
             <a:fld id="{5BCAD085-E8A6-8845-BD4E-CB4CCA059FC4}" type="datetimeFigureOut">
               <a:rPr lang="en-US" smtClean="0"/>
-              <a:t>1/27/13</a:t>
+              <a:t>5/24/25</a:t>
             </a:fld>
             <a:endParaRPr lang="en-US"/>
           </a:p>
@@ -1404,7 +1821,7 @@
 </p:sldLayout>
 </file>
 
-<file path=ppt/slideLayouts/slideLayout5.xml><?xml version="1.0" encoding="utf-8"?>
+<file path=ppt/slideLayouts/slideLayout6.xml><?xml version="1.0" encoding="utf-8"?>
 <p:sldLayout xmlns:a="http://schemas.openxmlformats.org/drawingml/2006/main" xmlns:r="http://schemas.openxmlformats.org/officeDocument/2006/relationships" xmlns:p="http://schemas.openxmlformats.org/presentationml/2006/main" type="twoTxTwoObj" preserve="1">
   <p:cSld name="Comparison">
     <p:spTree>
@@ -1441,10 +1858,9 @@
           </a:lstStyle>
           <a:p>
             <a:r>
-              <a:rPr lang="en-US" smtClean="0"/>
+              <a:rPr lang="en-US"/>
               <a:t>Click to edit Master title style</a:t>
             </a:r>
-            <a:endParaRPr lang="en-US"/>
           </a:p>
         </p:txBody>
       </p:sp>
@@ -1507,7 +1923,7 @@
           <a:p>
             <a:pPr lvl="0"/>
             <a:r>
-              <a:rPr lang="en-US" smtClean="0"/>
+              <a:rPr lang="en-US"/>
               <a:t>Click to edit Master text styles</a:t>
             </a:r>
           </a:p>
@@ -1563,38 +1979,37 @@
           <a:p>
             <a:pPr lvl="0"/>
             <a:r>
-              <a:rPr lang="en-US" smtClean="0"/>
+              <a:rPr lang="en-US"/>
               <a:t>Click to edit Master text styles</a:t>
             </a:r>
           </a:p>
           <a:p>
             <a:pPr lvl="1"/>
             <a:r>
-              <a:rPr lang="en-US" smtClean="0"/>
+              <a:rPr lang="en-US"/>
               <a:t>Second level</a:t>
             </a:r>
           </a:p>
           <a:p>
             <a:pPr lvl="2"/>
             <a:r>
-              <a:rPr lang="en-US" smtClean="0"/>
+              <a:rPr lang="en-US"/>
               <a:t>Third level</a:t>
             </a:r>
           </a:p>
           <a:p>
             <a:pPr lvl="3"/>
             <a:r>
-              <a:rPr lang="en-US" smtClean="0"/>
+              <a:rPr lang="en-US"/>
               <a:t>Fourth level</a:t>
             </a:r>
           </a:p>
           <a:p>
             <a:pPr lvl="4"/>
             <a:r>
-              <a:rPr lang="en-US" smtClean="0"/>
+              <a:rPr lang="en-US"/>
               <a:t>Fifth level</a:t>
             </a:r>
-            <a:endParaRPr lang="en-US"/>
           </a:p>
         </p:txBody>
       </p:sp>
@@ -1657,7 +2072,7 @@
           <a:p>
             <a:pPr lvl="0"/>
             <a:r>
-              <a:rPr lang="en-US" smtClean="0"/>
+              <a:rPr lang="en-US"/>
               <a:t>Click to edit Master text styles</a:t>
             </a:r>
           </a:p>
@@ -1713,38 +2128,37 @@
           <a:p>
             <a:pPr lvl="0"/>
             <a:r>
-              <a:rPr lang="en-US" smtClean="0"/>
+              <a:rPr lang="en-US"/>
               <a:t>Click to edit Master text styles</a:t>
             </a:r>
           </a:p>
           <a:p>
             <a:pPr lvl="1"/>
             <a:r>
-              <a:rPr lang="en-US" smtClean="0"/>
+              <a:rPr lang="en-US"/>
               <a:t>Second level</a:t>
             </a:r>
           </a:p>
           <a:p>
             <a:pPr lvl="2"/>
             <a:r>
-              <a:rPr lang="en-US" smtClean="0"/>
+              <a:rPr lang="en-US"/>
               <a:t>Third level</a:t>
             </a:r>
           </a:p>
           <a:p>
             <a:pPr lvl="3"/>
             <a:r>
-              <a:rPr lang="en-US" smtClean="0"/>
+              <a:rPr lang="en-US"/>
               <a:t>Fourth level</a:t>
             </a:r>
           </a:p>
           <a:p>
             <a:pPr lvl="4"/>
             <a:r>
-              <a:rPr lang="en-US" smtClean="0"/>
+              <a:rPr lang="en-US"/>
               <a:t>Fifth level</a:t>
             </a:r>
-            <a:endParaRPr lang="en-US"/>
           </a:p>
         </p:txBody>
       </p:sp>
@@ -1765,7 +2179,7 @@
           <a:p>
             <a:fld id="{5BCAD085-E8A6-8845-BD4E-CB4CCA059FC4}" type="datetimeFigureOut">
               <a:rPr lang="en-US" smtClean="0"/>
-              <a:t>1/27/13</a:t>
+              <a:t>5/24/25</a:t>
             </a:fld>
             <a:endParaRPr lang="en-US"/>
           </a:p>
@@ -1826,7 +2240,7 @@
 </p:sldLayout>
 </file>
 
-<file path=ppt/slideLayouts/slideLayout6.xml><?xml version="1.0" encoding="utf-8"?>
+<file path=ppt/slideLayouts/slideLayout7.xml><?xml version="1.0" encoding="utf-8"?>
 <p:sldLayout xmlns:a="http://schemas.openxmlformats.org/drawingml/2006/main" xmlns:r="http://schemas.openxmlformats.org/officeDocument/2006/relationships" xmlns:p="http://schemas.openxmlformats.org/presentationml/2006/main" type="titleOnly" preserve="1">
   <p:cSld name="Title Only">
     <p:spTree>
@@ -1859,10 +2273,9 @@
           <a:lstStyle/>
           <a:p>
             <a:r>
-              <a:rPr lang="en-US" smtClean="0"/>
+              <a:rPr lang="en-US"/>
               <a:t>Click to edit Master title style</a:t>
             </a:r>
-            <a:endParaRPr lang="en-US"/>
           </a:p>
         </p:txBody>
       </p:sp>
@@ -1883,7 +2296,7 @@
           <a:p>
             <a:fld id="{5BCAD085-E8A6-8845-BD4E-CB4CCA059FC4}" type="datetimeFigureOut">
               <a:rPr lang="en-US" smtClean="0"/>
-              <a:t>1/27/13</a:t>
+              <a:t>5/24/25</a:t>
             </a:fld>
             <a:endParaRPr lang="en-US"/>
           </a:p>
@@ -1944,7 +2357,7 @@
 </p:sldLayout>
 </file>
 
-<file path=ppt/slideLayouts/slideLayout7.xml><?xml version="1.0" encoding="utf-8"?>
+<file path=ppt/slideLayouts/slideLayout8.xml><?xml version="1.0" encoding="utf-8"?>
 <p:sldLayout xmlns:a="http://schemas.openxmlformats.org/drawingml/2006/main" xmlns:r="http://schemas.openxmlformats.org/officeDocument/2006/relationships" xmlns:p="http://schemas.openxmlformats.org/presentationml/2006/main" type="blank" preserve="1">
   <p:cSld name="Blank">
     <p:spTree>
@@ -1978,7 +2391,7 @@
           <a:p>
             <a:fld id="{5BCAD085-E8A6-8845-BD4E-CB4CCA059FC4}" type="datetimeFigureOut">
               <a:rPr lang="en-US" smtClean="0"/>
-              <a:t>1/27/13</a:t>
+              <a:t>5/24/25</a:t>
             </a:fld>
             <a:endParaRPr lang="en-US"/>
           </a:p>
@@ -2039,7 +2452,7 @@
 </p:sldLayout>
 </file>
 
-<file path=ppt/slideLayouts/slideLayout8.xml><?xml version="1.0" encoding="utf-8"?>
+<file path=ppt/slideLayouts/slideLayout9.xml><?xml version="1.0" encoding="utf-8"?>
 <p:sldLayout xmlns:a="http://schemas.openxmlformats.org/drawingml/2006/main" xmlns:r="http://schemas.openxmlformats.org/officeDocument/2006/relationships" xmlns:p="http://schemas.openxmlformats.org/presentationml/2006/main" type="objTx" preserve="1">
   <p:cSld name="Content with Caption">
     <p:spTree>
@@ -2081,10 +2494,9 @@
           </a:lstStyle>
           <a:p>
             <a:r>
-              <a:rPr lang="en-US" smtClean="0"/>
+              <a:rPr lang="en-US"/>
               <a:t>Click to edit Master title style</a:t>
             </a:r>
-            <a:endParaRPr lang="en-US"/>
           </a:p>
         </p:txBody>
       </p:sp>
@@ -2138,38 +2550,37 @@
           <a:p>
             <a:pPr lvl="0"/>
             <a:r>
-              <a:rPr lang="en-US" smtClean="0"/>
+              <a:rPr lang="en-US"/>
               <a:t>Click to edit Master text styles</a:t>
             </a:r>
           </a:p>
           <a:p>
             <a:pPr lvl="1"/>
             <a:r>
-              <a:rPr lang="en-US" smtClean="0"/>
+              <a:rPr lang="en-US"/>
               <a:t>Second level</a:t>
             </a:r>
           </a:p>
           <a:p>
             <a:pPr lvl="2"/>
             <a:r>
-              <a:rPr lang="en-US" smtClean="0"/>
+              <a:rPr lang="en-US"/>
               <a:t>Third level</a:t>
             </a:r>
           </a:p>
           <a:p>
             <a:pPr lvl="3"/>
             <a:r>
-              <a:rPr lang="en-US" smtClean="0"/>
+              <a:rPr lang="en-US"/>
               <a:t>Fourth level</a:t>
             </a:r>
           </a:p>
           <a:p>
             <a:pPr lvl="4"/>
             <a:r>
-              <a:rPr lang="en-US" smtClean="0"/>
+              <a:rPr lang="en-US"/>
               <a:t>Fifth level</a:t>
             </a:r>
-            <a:endParaRPr lang="en-US"/>
           </a:p>
         </p:txBody>
       </p:sp>
@@ -2232,7 +2643,7 @@
           <a:p>
             <a:pPr lvl="0"/>
             <a:r>
-              <a:rPr lang="en-US" smtClean="0"/>
+              <a:rPr lang="en-US"/>
               <a:t>Click to edit Master text styles</a:t>
             </a:r>
           </a:p>
@@ -2255,7 +2666,7 @@
           <a:p>
             <a:fld id="{5BCAD085-E8A6-8845-BD4E-CB4CCA059FC4}" type="datetimeFigureOut">
               <a:rPr lang="en-US" smtClean="0"/>
-              <a:t>1/27/13</a:t>
+              <a:t>5/24/25</a:t>
             </a:fld>
             <a:endParaRPr lang="en-US"/>
           </a:p>
@@ -2307,259 +2718,6 @@
     <p:extLst>
       <p:ext uri="{BB962C8B-B14F-4D97-AF65-F5344CB8AC3E}">
         <p14:creationId xmlns:p14="http://schemas.microsoft.com/office/powerpoint/2010/main" val="1840726560"/>
-      </p:ext>
-    </p:extLst>
-  </p:cSld>
-  <p:clrMapOvr>
-    <a:masterClrMapping/>
-  </p:clrMapOvr>
-</p:sldLayout>
-</file>
-
-<file path=ppt/slideLayouts/slideLayout9.xml><?xml version="1.0" encoding="utf-8"?>
-<p:sldLayout xmlns:a="http://schemas.openxmlformats.org/drawingml/2006/main" xmlns:r="http://schemas.openxmlformats.org/officeDocument/2006/relationships" xmlns:p="http://schemas.openxmlformats.org/presentationml/2006/main" type="picTx" preserve="1">
-  <p:cSld name="Picture with Caption">
-    <p:spTree>
-      <p:nvGrpSpPr>
-        <p:cNvPr id="1" name=""/>
-        <p:cNvGrpSpPr/>
-        <p:nvPr/>
-      </p:nvGrpSpPr>
-      <p:grpSpPr>
-        <a:xfrm>
-          <a:off x="0" y="0"/>
-          <a:ext cx="0" cy="0"/>
-          <a:chOff x="0" y="0"/>
-          <a:chExt cx="0" cy="0"/>
-        </a:xfrm>
-      </p:grpSpPr>
-      <p:sp>
-        <p:nvSpPr>
-          <p:cNvPr id="2" name="Title 1"/>
-          <p:cNvSpPr>
-            <a:spLocks noGrp="1"/>
-          </p:cNvSpPr>
-          <p:nvPr>
-            <p:ph type="title"/>
-          </p:nvPr>
-        </p:nvSpPr>
-        <p:spPr>
-          <a:xfrm>
-            <a:off x="1792288" y="4800600"/>
-            <a:ext cx="5486400" cy="566738"/>
-          </a:xfrm>
-        </p:spPr>
-        <p:txBody>
-          <a:bodyPr anchor="b"/>
-          <a:lstStyle>
-            <a:lvl1pPr algn="l">
-              <a:defRPr sz="2000" b="1"/>
-            </a:lvl1pPr>
-          </a:lstStyle>
-          <a:p>
-            <a:r>
-              <a:rPr lang="en-US" smtClean="0"/>
-              <a:t>Click to edit Master title style</a:t>
-            </a:r>
-            <a:endParaRPr lang="en-US"/>
-          </a:p>
-        </p:txBody>
-      </p:sp>
-      <p:sp>
-        <p:nvSpPr>
-          <p:cNvPr id="3" name="Picture Placeholder 2"/>
-          <p:cNvSpPr>
-            <a:spLocks noGrp="1"/>
-          </p:cNvSpPr>
-          <p:nvPr>
-            <p:ph type="pic" idx="1"/>
-          </p:nvPr>
-        </p:nvSpPr>
-        <p:spPr>
-          <a:xfrm>
-            <a:off x="1792288" y="612775"/>
-            <a:ext cx="5486400" cy="4114800"/>
-          </a:xfrm>
-        </p:spPr>
-        <p:txBody>
-          <a:bodyPr/>
-          <a:lstStyle>
-            <a:lvl1pPr marL="0" indent="0">
-              <a:buNone/>
-              <a:defRPr sz="3200"/>
-            </a:lvl1pPr>
-            <a:lvl2pPr marL="457200" indent="0">
-              <a:buNone/>
-              <a:defRPr sz="2800"/>
-            </a:lvl2pPr>
-            <a:lvl3pPr marL="914400" indent="0">
-              <a:buNone/>
-              <a:defRPr sz="2400"/>
-            </a:lvl3pPr>
-            <a:lvl4pPr marL="1371600" indent="0">
-              <a:buNone/>
-              <a:defRPr sz="2000"/>
-            </a:lvl4pPr>
-            <a:lvl5pPr marL="1828800" indent="0">
-              <a:buNone/>
-              <a:defRPr sz="2000"/>
-            </a:lvl5pPr>
-            <a:lvl6pPr marL="2286000" indent="0">
-              <a:buNone/>
-              <a:defRPr sz="2000"/>
-            </a:lvl6pPr>
-            <a:lvl7pPr marL="2743200" indent="0">
-              <a:buNone/>
-              <a:defRPr sz="2000"/>
-            </a:lvl7pPr>
-            <a:lvl8pPr marL="3200400" indent="0">
-              <a:buNone/>
-              <a:defRPr sz="2000"/>
-            </a:lvl8pPr>
-            <a:lvl9pPr marL="3657600" indent="0">
-              <a:buNone/>
-              <a:defRPr sz="2000"/>
-            </a:lvl9pPr>
-          </a:lstStyle>
-          <a:p>
-            <a:endParaRPr lang="en-US"/>
-          </a:p>
-        </p:txBody>
-      </p:sp>
-      <p:sp>
-        <p:nvSpPr>
-          <p:cNvPr id="4" name="Text Placeholder 3"/>
-          <p:cNvSpPr>
-            <a:spLocks noGrp="1"/>
-          </p:cNvSpPr>
-          <p:nvPr>
-            <p:ph type="body" sz="half" idx="2"/>
-          </p:nvPr>
-        </p:nvSpPr>
-        <p:spPr>
-          <a:xfrm>
-            <a:off x="1792288" y="5367338"/>
-            <a:ext cx="5486400" cy="804862"/>
-          </a:xfrm>
-        </p:spPr>
-        <p:txBody>
-          <a:bodyPr/>
-          <a:lstStyle>
-            <a:lvl1pPr marL="0" indent="0">
-              <a:buNone/>
-              <a:defRPr sz="1400"/>
-            </a:lvl1pPr>
-            <a:lvl2pPr marL="457200" indent="0">
-              <a:buNone/>
-              <a:defRPr sz="1200"/>
-            </a:lvl2pPr>
-            <a:lvl3pPr marL="914400" indent="0">
-              <a:buNone/>
-              <a:defRPr sz="1000"/>
-            </a:lvl3pPr>
-            <a:lvl4pPr marL="1371600" indent="0">
-              <a:buNone/>
-              <a:defRPr sz="900"/>
-            </a:lvl4pPr>
-            <a:lvl5pPr marL="1828800" indent="0">
-              <a:buNone/>
-              <a:defRPr sz="900"/>
-            </a:lvl5pPr>
-            <a:lvl6pPr marL="2286000" indent="0">
-              <a:buNone/>
-              <a:defRPr sz="900"/>
-            </a:lvl6pPr>
-            <a:lvl7pPr marL="2743200" indent="0">
-              <a:buNone/>
-              <a:defRPr sz="900"/>
-            </a:lvl7pPr>
-            <a:lvl8pPr marL="3200400" indent="0">
-              <a:buNone/>
-              <a:defRPr sz="900"/>
-            </a:lvl8pPr>
-            <a:lvl9pPr marL="3657600" indent="0">
-              <a:buNone/>
-              <a:defRPr sz="900"/>
-            </a:lvl9pPr>
-          </a:lstStyle>
-          <a:p>
-            <a:pPr lvl="0"/>
-            <a:r>
-              <a:rPr lang="en-US" smtClean="0"/>
-              <a:t>Click to edit Master text styles</a:t>
-            </a:r>
-          </a:p>
-        </p:txBody>
-      </p:sp>
-      <p:sp>
-        <p:nvSpPr>
-          <p:cNvPr id="5" name="Date Placeholder 4"/>
-          <p:cNvSpPr>
-            <a:spLocks noGrp="1"/>
-          </p:cNvSpPr>
-          <p:nvPr>
-            <p:ph type="dt" sz="half" idx="10"/>
-          </p:nvPr>
-        </p:nvSpPr>
-        <p:spPr/>
-        <p:txBody>
-          <a:bodyPr/>
-          <a:lstStyle/>
-          <a:p>
-            <a:fld id="{5BCAD085-E8A6-8845-BD4E-CB4CCA059FC4}" type="datetimeFigureOut">
-              <a:rPr lang="en-US" smtClean="0"/>
-              <a:t>1/27/13</a:t>
-            </a:fld>
-            <a:endParaRPr lang="en-US"/>
-          </a:p>
-        </p:txBody>
-      </p:sp>
-      <p:sp>
-        <p:nvSpPr>
-          <p:cNvPr id="6" name="Footer Placeholder 5"/>
-          <p:cNvSpPr>
-            <a:spLocks noGrp="1"/>
-          </p:cNvSpPr>
-          <p:nvPr>
-            <p:ph type="ftr" sz="quarter" idx="11"/>
-          </p:nvPr>
-        </p:nvSpPr>
-        <p:spPr/>
-        <p:txBody>
-          <a:bodyPr/>
-          <a:lstStyle/>
-          <a:p>
-            <a:endParaRPr lang="en-US"/>
-          </a:p>
-        </p:txBody>
-      </p:sp>
-      <p:sp>
-        <p:nvSpPr>
-          <p:cNvPr id="7" name="Slide Number Placeholder 6"/>
-          <p:cNvSpPr>
-            <a:spLocks noGrp="1"/>
-          </p:cNvSpPr>
-          <p:nvPr>
-            <p:ph type="sldNum" sz="quarter" idx="12"/>
-          </p:nvPr>
-        </p:nvSpPr>
-        <p:spPr/>
-        <p:txBody>
-          <a:bodyPr/>
-          <a:lstStyle/>
-          <a:p>
-            <a:fld id="{C1FF6DA9-008F-8B48-92A6-B652298478BF}" type="slidenum">
-              <a:rPr lang="en-US" smtClean="0"/>
-              <a:t>‹#›</a:t>
-            </a:fld>
-            <a:endParaRPr lang="en-US"/>
-          </a:p>
-        </p:txBody>
-      </p:sp>
-    </p:spTree>
-    <p:extLst>
-      <p:ext uri="{BB962C8B-B14F-4D97-AF65-F5344CB8AC3E}">
-        <p14:creationId xmlns:p14="http://schemas.microsoft.com/office/powerpoint/2010/main" val="3889236939"/>
       </p:ext>
     </p:extLst>
   </p:cSld>
@@ -2617,10 +2775,9 @@
           <a:lstStyle/>
           <a:p>
             <a:r>
-              <a:rPr lang="en-US" smtClean="0"/>
+              <a:rPr lang="en-US"/>
               <a:t>Click to edit Master title style</a:t>
             </a:r>
-            <a:endParaRPr lang="en-US"/>
           </a:p>
         </p:txBody>
       </p:sp>
@@ -2651,38 +2808,37 @@
           <a:p>
             <a:pPr lvl="0"/>
             <a:r>
-              <a:rPr lang="en-US" smtClean="0"/>
+              <a:rPr lang="en-US"/>
               <a:t>Click to edit Master text styles</a:t>
             </a:r>
           </a:p>
           <a:p>
             <a:pPr lvl="1"/>
             <a:r>
-              <a:rPr lang="en-US" smtClean="0"/>
+              <a:rPr lang="en-US"/>
               <a:t>Second level</a:t>
             </a:r>
           </a:p>
           <a:p>
             <a:pPr lvl="2"/>
             <a:r>
-              <a:rPr lang="en-US" smtClean="0"/>
+              <a:rPr lang="en-US"/>
               <a:t>Third level</a:t>
             </a:r>
           </a:p>
           <a:p>
             <a:pPr lvl="3"/>
             <a:r>
-              <a:rPr lang="en-US" smtClean="0"/>
+              <a:rPr lang="en-US"/>
               <a:t>Fourth level</a:t>
             </a:r>
           </a:p>
           <a:p>
             <a:pPr lvl="4"/>
             <a:r>
-              <a:rPr lang="en-US" smtClean="0"/>
+              <a:rPr lang="en-US"/>
               <a:t>Fifth level</a:t>
             </a:r>
-            <a:endParaRPr lang="en-US"/>
           </a:p>
         </p:txBody>
       </p:sp>
@@ -2721,7 +2877,7 @@
           <a:p>
             <a:fld id="{5BCAD085-E8A6-8845-BD4E-CB4CCA059FC4}" type="datetimeFigureOut">
               <a:rPr lang="en-US" smtClean="0"/>
-              <a:t>1/27/13</a:t>
+              <a:t>5/24/25</a:t>
             </a:fld>
             <a:endParaRPr lang="en-US"/>
           </a:p>
@@ -2816,15 +2972,16 @@
   <p:sldLayoutIdLst>
     <p:sldLayoutId id="2147483649" r:id="rId1"/>
     <p:sldLayoutId id="2147483650" r:id="rId2"/>
-    <p:sldLayoutId id="2147483651" r:id="rId3"/>
-    <p:sldLayoutId id="2147483652" r:id="rId4"/>
-    <p:sldLayoutId id="2147483653" r:id="rId5"/>
-    <p:sldLayoutId id="2147483654" r:id="rId6"/>
-    <p:sldLayoutId id="2147483655" r:id="rId7"/>
-    <p:sldLayoutId id="2147483656" r:id="rId8"/>
-    <p:sldLayoutId id="2147483657" r:id="rId9"/>
-    <p:sldLayoutId id="2147483658" r:id="rId10"/>
-    <p:sldLayoutId id="2147483659" r:id="rId11"/>
+    <p:sldLayoutId id="2147483660" r:id="rId3"/>
+    <p:sldLayoutId id="2147483651" r:id="rId4"/>
+    <p:sldLayoutId id="2147483652" r:id="rId5"/>
+    <p:sldLayoutId id="2147483653" r:id="rId6"/>
+    <p:sldLayoutId id="2147483654" r:id="rId7"/>
+    <p:sldLayoutId id="2147483655" r:id="rId8"/>
+    <p:sldLayoutId id="2147483656" r:id="rId9"/>
+    <p:sldLayoutId id="2147483657" r:id="rId10"/>
+    <p:sldLayoutId id="2147483658" r:id="rId11"/>
+    <p:sldLayoutId id="2147483659" r:id="rId12"/>
   </p:sldLayoutIdLst>
   <p:txStyles>
     <p:titleStyle>
@@ -3080,7 +3237,7 @@
 </file>
 
 <file path=ppt/slides/slide1.xml><?xml version="1.0" encoding="utf-8"?>
-<p:sld xmlns:a="http://schemas.openxmlformats.org/drawingml/2006/main" xmlns:p="http://schemas.openxmlformats.org/presentationml/2006/main" xmlns:r="http://schemas.openxmlformats.org/officeDocument/2006/relationships">
+<p:sld xmlns:a="http://schemas.openxmlformats.org/drawingml/2006/main" xmlns:r="http://schemas.openxmlformats.org/officeDocument/2006/relationships" xmlns:p="http://schemas.openxmlformats.org/presentationml/2006/main">
   <p:cSld>
     <p:spTree>
       <p:nvGrpSpPr>
@@ -3088,11 +3245,20 @@
         <p:cNvGrpSpPr/>
         <p:nvPr/>
       </p:nvGrpSpPr>
-      <p:grpSpPr/>
+      <p:grpSpPr>
+        <a:xfrm>
+          <a:off x="0" y="0"/>
+          <a:ext cx="0" cy="0"/>
+          <a:chOff x="0" y="0"/>
+          <a:chExt cx="0" cy="0"/>
+        </a:xfrm>
+      </p:grpSpPr>
       <p:sp>
         <p:nvSpPr>
           <p:cNvPr id="2" name="textMainBullets"/>
-          <p:cNvSpPr txBox="1"/>
+          <p:cNvSpPr txBox="1">
+            <a:spLocks noChangeAspect="1"/>
+          </p:cNvSpPr>
           <p:nvPr/>
         </p:nvSpPr>
         <p:spPr>
@@ -3110,7 +3276,9 @@
             <a:spAutoFit/>
           </a:bodyPr>
           <a:lstStyle/>
-          <a:p/>
+          <a:p>
+            <a:endParaRPr/>
+          </a:p>
         </p:txBody>
       </p:sp>
     </p:spTree>
@@ -3122,7 +3290,7 @@
 </file>
 
 <file path=ppt/slides/slide2.xml><?xml version="1.0" encoding="utf-8"?>
-<p:sld xmlns:a="http://schemas.openxmlformats.org/drawingml/2006/main" xmlns:p="http://schemas.openxmlformats.org/presentationml/2006/main" xmlns:r="http://schemas.openxmlformats.org/officeDocument/2006/relationships">
+<p:sld xmlns:a="http://schemas.openxmlformats.org/drawingml/2006/main" xmlns:r="http://schemas.openxmlformats.org/officeDocument/2006/relationships" xmlns:p="http://schemas.openxmlformats.org/presentationml/2006/main">
   <p:cSld>
     <p:spTree>
       <p:nvGrpSpPr>
@@ -3130,11 +3298,20 @@
         <p:cNvGrpSpPr/>
         <p:nvPr/>
       </p:nvGrpSpPr>
-      <p:grpSpPr/>
+      <p:grpSpPr>
+        <a:xfrm>
+          <a:off x="0" y="0"/>
+          <a:ext cx="0" cy="0"/>
+          <a:chOff x="0" y="0"/>
+          <a:chExt cx="0" cy="0"/>
+        </a:xfrm>
+      </p:grpSpPr>
       <p:sp>
         <p:nvSpPr>
           <p:cNvPr id="2" name="textMainBullets_L"/>
-          <p:cNvSpPr txBox="1"/>
+          <p:cNvSpPr txBox="1">
+            <a:spLocks noChangeAspect="1"/>
+          </p:cNvSpPr>
           <p:nvPr/>
         </p:nvSpPr>
         <p:spPr>
@@ -3152,13 +3329,17 @@
             <a:spAutoFit/>
           </a:bodyPr>
           <a:lstStyle/>
-          <a:p/>
+          <a:p>
+            <a:endParaRPr/>
+          </a:p>
         </p:txBody>
       </p:sp>
       <p:sp>
         <p:nvSpPr>
           <p:cNvPr id="3" name="textMainBullets_R"/>
-          <p:cNvSpPr txBox="1"/>
+          <p:cNvSpPr txBox="1">
+            <a:spLocks noChangeAspect="1"/>
+          </p:cNvSpPr>
           <p:nvPr/>
         </p:nvSpPr>
         <p:spPr>
@@ -3176,10 +3357,220 @@
             <a:spAutoFit/>
           </a:bodyPr>
           <a:lstStyle/>
-          <a:p/>
+          <a:p>
+            <a:endParaRPr/>
+          </a:p>
         </p:txBody>
       </p:sp>
     </p:spTree>
+  </p:cSld>
+  <p:clrMapOvr>
+    <a:masterClrMapping/>
+  </p:clrMapOvr>
+</p:sld>
+</file>
+
+<file path=ppt/slides/slide3.xml><?xml version="1.0" encoding="utf-8"?>
+<p:sld xmlns:a="http://schemas.openxmlformats.org/drawingml/2006/main" xmlns:r="http://schemas.openxmlformats.org/officeDocument/2006/relationships" xmlns:p="http://schemas.openxmlformats.org/presentationml/2006/main">
+  <p:cSld>
+    <p:spTree>
+      <p:nvGrpSpPr>
+        <p:cNvPr id="1" name="">
+          <a:extLst>
+            <a:ext uri="{FF2B5EF4-FFF2-40B4-BE49-F238E27FC236}">
+              <a16:creationId xmlns:a16="http://schemas.microsoft.com/office/drawing/2014/main" id="{CE63F516-311F-D767-B24F-995465FE17DA}"/>
+            </a:ext>
+          </a:extLst>
+        </p:cNvPr>
+        <p:cNvGrpSpPr/>
+        <p:nvPr/>
+      </p:nvGrpSpPr>
+      <p:grpSpPr>
+        <a:xfrm>
+          <a:off x="0" y="0"/>
+          <a:ext cx="0" cy="0"/>
+          <a:chOff x="0" y="0"/>
+          <a:chExt cx="0" cy="0"/>
+        </a:xfrm>
+      </p:grpSpPr>
+      <p:sp>
+        <p:nvSpPr>
+          <p:cNvPr id="2" name="textMainBullets_L">
+            <a:extLst>
+              <a:ext uri="{FF2B5EF4-FFF2-40B4-BE49-F238E27FC236}">
+                <a16:creationId xmlns:a16="http://schemas.microsoft.com/office/drawing/2014/main" id="{1609B9C4-EE89-F835-8C6C-3911F99337A6}"/>
+              </a:ext>
+            </a:extLst>
+          </p:cNvPr>
+          <p:cNvSpPr txBox="1">
+            <a:spLocks noChangeAspect="1"/>
+          </p:cNvSpPr>
+          <p:nvPr/>
+        </p:nvSpPr>
+        <p:spPr>
+          <a:xfrm>
+            <a:off x="457200" y="914400"/>
+            <a:ext cx="3657600" cy="4572000"/>
+          </a:xfrm>
+          <a:prstGeom prst="rect">
+            <a:avLst/>
+          </a:prstGeom>
+          <a:noFill/>
+        </p:spPr>
+        <p:txBody>
+          <a:bodyPr wrap="none">
+            <a:spAutoFit/>
+          </a:bodyPr>
+          <a:lstStyle/>
+          <a:p>
+            <a:endParaRPr/>
+          </a:p>
+        </p:txBody>
+      </p:sp>
+      <p:sp>
+        <p:nvSpPr>
+          <p:cNvPr id="3" name="textMainBullets_R">
+            <a:extLst>
+              <a:ext uri="{FF2B5EF4-FFF2-40B4-BE49-F238E27FC236}">
+                <a16:creationId xmlns:a16="http://schemas.microsoft.com/office/drawing/2014/main" id="{F60AF44C-28D9-CB30-1E6A-5560CDC42493}"/>
+              </a:ext>
+            </a:extLst>
+          </p:cNvPr>
+          <p:cNvSpPr txBox="1">
+            <a:spLocks noChangeAspect="1"/>
+          </p:cNvSpPr>
+          <p:nvPr/>
+        </p:nvSpPr>
+        <p:spPr>
+          <a:xfrm>
+            <a:off x="4297680" y="914400"/>
+            <a:ext cx="3657600" cy="4572000"/>
+          </a:xfrm>
+          <a:prstGeom prst="rect">
+            <a:avLst/>
+          </a:prstGeom>
+          <a:noFill/>
+        </p:spPr>
+        <p:txBody>
+          <a:bodyPr wrap="none">
+            <a:spAutoFit/>
+          </a:bodyPr>
+          <a:lstStyle/>
+          <a:p>
+            <a:endParaRPr/>
+          </a:p>
+        </p:txBody>
+      </p:sp>
+    </p:spTree>
+    <p:extLst>
+      <p:ext uri="{BB962C8B-B14F-4D97-AF65-F5344CB8AC3E}">
+        <p14:creationId xmlns:p14="http://schemas.microsoft.com/office/powerpoint/2010/main" val="3390904393"/>
+      </p:ext>
+    </p:extLst>
+  </p:cSld>
+  <p:clrMapOvr>
+    <a:masterClrMapping/>
+  </p:clrMapOvr>
+</p:sld>
+</file>
+
+<file path=ppt/slides/slide4.xml><?xml version="1.0" encoding="utf-8"?>
+<p:sld xmlns:a="http://schemas.openxmlformats.org/drawingml/2006/main" xmlns:r="http://schemas.openxmlformats.org/officeDocument/2006/relationships" xmlns:p="http://schemas.openxmlformats.org/presentationml/2006/main">
+  <p:cSld>
+    <p:spTree>
+      <p:nvGrpSpPr>
+        <p:cNvPr id="1" name="">
+          <a:extLst>
+            <a:ext uri="{FF2B5EF4-FFF2-40B4-BE49-F238E27FC236}">
+              <a16:creationId xmlns:a16="http://schemas.microsoft.com/office/drawing/2014/main" id="{46358799-719D-F77A-8395-035AEAC80A07}"/>
+            </a:ext>
+          </a:extLst>
+        </p:cNvPr>
+        <p:cNvGrpSpPr/>
+        <p:nvPr/>
+      </p:nvGrpSpPr>
+      <p:grpSpPr>
+        <a:xfrm>
+          <a:off x="0" y="0"/>
+          <a:ext cx="0" cy="0"/>
+          <a:chOff x="0" y="0"/>
+          <a:chExt cx="0" cy="0"/>
+        </a:xfrm>
+      </p:grpSpPr>
+      <p:sp>
+        <p:nvSpPr>
+          <p:cNvPr id="2" name="textMainBullets_L">
+            <a:extLst>
+              <a:ext uri="{FF2B5EF4-FFF2-40B4-BE49-F238E27FC236}">
+                <a16:creationId xmlns:a16="http://schemas.microsoft.com/office/drawing/2014/main" id="{52EF3AD7-3BC2-25B5-A93A-14275C2F7A65}"/>
+              </a:ext>
+            </a:extLst>
+          </p:cNvPr>
+          <p:cNvSpPr txBox="1">
+            <a:spLocks noChangeAspect="1"/>
+          </p:cNvSpPr>
+          <p:nvPr/>
+        </p:nvSpPr>
+        <p:spPr>
+          <a:xfrm>
+            <a:off x="457200" y="914400"/>
+            <a:ext cx="3657600" cy="4572000"/>
+          </a:xfrm>
+          <a:prstGeom prst="rect">
+            <a:avLst/>
+          </a:prstGeom>
+          <a:noFill/>
+        </p:spPr>
+        <p:txBody>
+          <a:bodyPr wrap="none">
+            <a:spAutoFit/>
+          </a:bodyPr>
+          <a:lstStyle/>
+          <a:p>
+            <a:endParaRPr/>
+          </a:p>
+        </p:txBody>
+      </p:sp>
+      <p:sp>
+        <p:nvSpPr>
+          <p:cNvPr id="3" name="textMainBullets_R">
+            <a:extLst>
+              <a:ext uri="{FF2B5EF4-FFF2-40B4-BE49-F238E27FC236}">
+                <a16:creationId xmlns:a16="http://schemas.microsoft.com/office/drawing/2014/main" id="{4A7A8408-0754-C798-6BDD-B8586DA48C26}"/>
+              </a:ext>
+            </a:extLst>
+          </p:cNvPr>
+          <p:cNvSpPr txBox="1">
+            <a:spLocks noChangeAspect="1"/>
+          </p:cNvSpPr>
+          <p:nvPr/>
+        </p:nvSpPr>
+        <p:spPr>
+          <a:xfrm>
+            <a:off x="4297680" y="914400"/>
+            <a:ext cx="3657600" cy="4572000"/>
+          </a:xfrm>
+          <a:prstGeom prst="rect">
+            <a:avLst/>
+          </a:prstGeom>
+          <a:noFill/>
+        </p:spPr>
+        <p:txBody>
+          <a:bodyPr wrap="none">
+            <a:spAutoFit/>
+          </a:bodyPr>
+          <a:lstStyle/>
+          <a:p>
+            <a:endParaRPr/>
+          </a:p>
+        </p:txBody>
+      </p:sp>
+    </p:spTree>
+    <p:extLst>
+      <p:ext uri="{BB962C8B-B14F-4D97-AF65-F5344CB8AC3E}">
+        <p14:creationId xmlns:p14="http://schemas.microsoft.com/office/powerpoint/2010/main" val="854010995"/>
+      </p:ext>
+    </p:extLst>
   </p:cSld>
   <p:clrMapOvr>
     <a:masterClrMapping/>

--- a/template.pptx
+++ b/template.pptx
@@ -305,7 +305,7 @@
           <a:p>
             <a:fld id="{5BCAD085-E8A6-8845-BD4E-CB4CCA059FC4}" type="datetimeFigureOut">
               <a:rPr lang="en-US" smtClean="0"/>
-              <a:t>5/24/25</a:t>
+              <a:t>5/26/25</a:t>
             </a:fld>
             <a:endParaRPr lang="en-US"/>
           </a:p>
@@ -557,7 +557,7 @@
           <a:p>
             <a:fld id="{5BCAD085-E8A6-8845-BD4E-CB4CCA059FC4}" type="datetimeFigureOut">
               <a:rPr lang="en-US" smtClean="0"/>
-              <a:t>5/24/25</a:t>
+              <a:t>5/26/25</a:t>
             </a:fld>
             <a:endParaRPr lang="en-US"/>
           </a:p>
@@ -725,7 +725,7 @@
           <a:p>
             <a:fld id="{5BCAD085-E8A6-8845-BD4E-CB4CCA059FC4}" type="datetimeFigureOut">
               <a:rPr lang="en-US" smtClean="0"/>
-              <a:t>5/24/25</a:t>
+              <a:t>5/26/25</a:t>
             </a:fld>
             <a:endParaRPr lang="en-US"/>
           </a:p>
@@ -903,7 +903,7 @@
           <a:p>
             <a:fld id="{5BCAD085-E8A6-8845-BD4E-CB4CCA059FC4}" type="datetimeFigureOut">
               <a:rPr lang="en-US" smtClean="0"/>
-              <a:t>5/24/25</a:t>
+              <a:t>5/26/25</a:t>
             </a:fld>
             <a:endParaRPr lang="en-US"/>
           </a:p>
@@ -1071,7 +1071,7 @@
           <a:p>
             <a:fld id="{5BCAD085-E8A6-8845-BD4E-CB4CCA059FC4}" type="datetimeFigureOut">
               <a:rPr lang="en-US" smtClean="0"/>
-              <a:t>5/24/25</a:t>
+              <a:t>5/26/25</a:t>
             </a:fld>
             <a:endParaRPr lang="en-US"/>
           </a:p>
@@ -1166,7 +1166,7 @@
           <a:p>
             <a:fld id="{5BCAD085-E8A6-8845-BD4E-CB4CCA059FC4}" type="datetimeFigureOut">
               <a:rPr lang="en-US" smtClean="0"/>
-              <a:t>5/24/25</a:t>
+              <a:t>5/26/25</a:t>
             </a:fld>
             <a:endParaRPr lang="en-US"/>
           </a:p>
@@ -1475,7 +1475,7 @@
           <a:p>
             <a:fld id="{5BCAD085-E8A6-8845-BD4E-CB4CCA059FC4}" type="datetimeFigureOut">
               <a:rPr lang="en-US" smtClean="0"/>
-              <a:t>5/24/25</a:t>
+              <a:t>5/26/25</a:t>
             </a:fld>
             <a:endParaRPr lang="en-US"/>
           </a:p>
@@ -1760,7 +1760,7 @@
           <a:p>
             <a:fld id="{5BCAD085-E8A6-8845-BD4E-CB4CCA059FC4}" type="datetimeFigureOut">
               <a:rPr lang="en-US" smtClean="0"/>
-              <a:t>5/24/25</a:t>
+              <a:t>5/26/25</a:t>
             </a:fld>
             <a:endParaRPr lang="en-US"/>
           </a:p>
@@ -2179,7 +2179,7 @@
           <a:p>
             <a:fld id="{5BCAD085-E8A6-8845-BD4E-CB4CCA059FC4}" type="datetimeFigureOut">
               <a:rPr lang="en-US" smtClean="0"/>
-              <a:t>5/24/25</a:t>
+              <a:t>5/26/25</a:t>
             </a:fld>
             <a:endParaRPr lang="en-US"/>
           </a:p>
@@ -2296,7 +2296,7 @@
           <a:p>
             <a:fld id="{5BCAD085-E8A6-8845-BD4E-CB4CCA059FC4}" type="datetimeFigureOut">
               <a:rPr lang="en-US" smtClean="0"/>
-              <a:t>5/24/25</a:t>
+              <a:t>5/26/25</a:t>
             </a:fld>
             <a:endParaRPr lang="en-US"/>
           </a:p>
@@ -2391,7 +2391,7 @@
           <a:p>
             <a:fld id="{5BCAD085-E8A6-8845-BD4E-CB4CCA059FC4}" type="datetimeFigureOut">
               <a:rPr lang="en-US" smtClean="0"/>
-              <a:t>5/24/25</a:t>
+              <a:t>5/26/25</a:t>
             </a:fld>
             <a:endParaRPr lang="en-US"/>
           </a:p>
@@ -2666,7 +2666,7 @@
           <a:p>
             <a:fld id="{5BCAD085-E8A6-8845-BD4E-CB4CCA059FC4}" type="datetimeFigureOut">
               <a:rPr lang="en-US" smtClean="0"/>
-              <a:t>5/24/25</a:t>
+              <a:t>5/26/25</a:t>
             </a:fld>
             <a:endParaRPr lang="en-US"/>
           </a:p>
@@ -2877,7 +2877,7 @@
           <a:p>
             <a:fld id="{5BCAD085-E8A6-8845-BD4E-CB4CCA059FC4}" type="datetimeFigureOut">
               <a:rPr lang="en-US" smtClean="0"/>
-              <a:t>5/24/25</a:t>
+              <a:t>5/26/25</a:t>
             </a:fld>
             <a:endParaRPr lang="en-US"/>
           </a:p>
@@ -3281,6 +3281,42 @@
           </a:p>
         </p:txBody>
       </p:sp>
+      <p:sp>
+        <p:nvSpPr>
+          <p:cNvPr id="3" name="coSummaryShape">
+            <a:extLst>
+              <a:ext uri="{FF2B5EF4-FFF2-40B4-BE49-F238E27FC236}">
+                <a16:creationId xmlns:a16="http://schemas.microsoft.com/office/drawing/2014/main" id="{EB3788D8-E99B-2502-8527-4A1B3A0D36BB}"/>
+              </a:ext>
+            </a:extLst>
+          </p:cNvPr>
+          <p:cNvSpPr txBox="1">
+            <a:spLocks noChangeAspect="1"/>
+          </p:cNvSpPr>
+          <p:nvPr/>
+        </p:nvSpPr>
+        <p:spPr>
+          <a:xfrm>
+            <a:off x="668867" y="592666"/>
+            <a:ext cx="2853266" cy="5223934"/>
+          </a:xfrm>
+          <a:prstGeom prst="rect">
+            <a:avLst/>
+          </a:prstGeom>
+          <a:solidFill>
+            <a:schemeClr val="tx2"/>
+          </a:solidFill>
+        </p:spPr>
+        <p:txBody>
+          <a:bodyPr wrap="square">
+            <a:spAutoFit/>
+          </a:bodyPr>
+          <a:lstStyle/>
+          <a:p>
+            <a:endParaRPr/>
+          </a:p>
+        </p:txBody>
+      </p:sp>
     </p:spTree>
   </p:cSld>
   <p:clrMapOvr>
@@ -3354,6 +3390,42 @@
         </p:spPr>
         <p:txBody>
           <a:bodyPr wrap="none">
+            <a:spAutoFit/>
+          </a:bodyPr>
+          <a:lstStyle/>
+          <a:p>
+            <a:endParaRPr/>
+          </a:p>
+        </p:txBody>
+      </p:sp>
+      <p:sp>
+        <p:nvSpPr>
+          <p:cNvPr id="4" name="coSummaryShape">
+            <a:extLst>
+              <a:ext uri="{FF2B5EF4-FFF2-40B4-BE49-F238E27FC236}">
+                <a16:creationId xmlns:a16="http://schemas.microsoft.com/office/drawing/2014/main" id="{11CD354D-A5E8-07FD-1B73-8355FE57BA3B}"/>
+              </a:ext>
+            </a:extLst>
+          </p:cNvPr>
+          <p:cNvSpPr txBox="1">
+            <a:spLocks noChangeAspect="1"/>
+          </p:cNvSpPr>
+          <p:nvPr/>
+        </p:nvSpPr>
+        <p:spPr>
+          <a:xfrm>
+            <a:off x="668867" y="592666"/>
+            <a:ext cx="2853266" cy="5223934"/>
+          </a:xfrm>
+          <a:prstGeom prst="rect">
+            <a:avLst/>
+          </a:prstGeom>
+          <a:solidFill>
+            <a:schemeClr val="tx2"/>
+          </a:solidFill>
+        </p:spPr>
+        <p:txBody>
+          <a:bodyPr wrap="square">
             <a:spAutoFit/>
           </a:bodyPr>
           <a:lstStyle/>
@@ -3453,6 +3525,42 @@
         </p:spPr>
         <p:txBody>
           <a:bodyPr wrap="none">
+            <a:spAutoFit/>
+          </a:bodyPr>
+          <a:lstStyle/>
+          <a:p>
+            <a:endParaRPr/>
+          </a:p>
+        </p:txBody>
+      </p:sp>
+      <p:sp>
+        <p:nvSpPr>
+          <p:cNvPr id="4" name="coSummaryShape">
+            <a:extLst>
+              <a:ext uri="{FF2B5EF4-FFF2-40B4-BE49-F238E27FC236}">
+                <a16:creationId xmlns:a16="http://schemas.microsoft.com/office/drawing/2014/main" id="{C5A92A6B-EC0E-CF82-0A24-3DC1BB0BCAC0}"/>
+              </a:ext>
+            </a:extLst>
+          </p:cNvPr>
+          <p:cNvSpPr txBox="1">
+            <a:spLocks noChangeAspect="1"/>
+          </p:cNvSpPr>
+          <p:nvPr/>
+        </p:nvSpPr>
+        <p:spPr>
+          <a:xfrm>
+            <a:off x="668867" y="592666"/>
+            <a:ext cx="2853266" cy="5223934"/>
+          </a:xfrm>
+          <a:prstGeom prst="rect">
+            <a:avLst/>
+          </a:prstGeom>
+          <a:solidFill>
+            <a:schemeClr val="tx2"/>
+          </a:solidFill>
+        </p:spPr>
+        <p:txBody>
+          <a:bodyPr wrap="square">
             <a:spAutoFit/>
           </a:bodyPr>
           <a:lstStyle/>
@@ -3557,6 +3665,42 @@
         </p:spPr>
         <p:txBody>
           <a:bodyPr wrap="none">
+            <a:spAutoFit/>
+          </a:bodyPr>
+          <a:lstStyle/>
+          <a:p>
+            <a:endParaRPr/>
+          </a:p>
+        </p:txBody>
+      </p:sp>
+      <p:sp>
+        <p:nvSpPr>
+          <p:cNvPr id="4" name="coSummaryShape">
+            <a:extLst>
+              <a:ext uri="{FF2B5EF4-FFF2-40B4-BE49-F238E27FC236}">
+                <a16:creationId xmlns:a16="http://schemas.microsoft.com/office/drawing/2014/main" id="{B54CACCE-5627-5272-281E-ECEFFF22AD3B}"/>
+              </a:ext>
+            </a:extLst>
+          </p:cNvPr>
+          <p:cNvSpPr txBox="1">
+            <a:spLocks noChangeAspect="1"/>
+          </p:cNvSpPr>
+          <p:nvPr/>
+        </p:nvSpPr>
+        <p:spPr>
+          <a:xfrm>
+            <a:off x="668867" y="592666"/>
+            <a:ext cx="2853266" cy="5223934"/>
+          </a:xfrm>
+          <a:prstGeom prst="rect">
+            <a:avLst/>
+          </a:prstGeom>
+          <a:solidFill>
+            <a:schemeClr val="tx2"/>
+          </a:solidFill>
+        </p:spPr>
+        <p:txBody>
+          <a:bodyPr wrap="square">
             <a:spAutoFit/>
           </a:bodyPr>
           <a:lstStyle/>
